--- a/RSA-algorithm-assembly.pptx
+++ b/RSA-algorithm-assembly.pptx
@@ -5,7 +5,7 @@
     <p:sldMasterId id="2147483659" r:id="rId1"/>
   </p:sldMasterIdLst>
   <p:notesMasterIdLst>
-    <p:notesMasterId r:id="rId8"/>
+    <p:notesMasterId r:id="rId9"/>
   </p:notesMasterIdLst>
   <p:sldIdLst>
     <p:sldId id="256" r:id="rId2"/>
@@ -13,22 +13,23 @@
     <p:sldId id="258" r:id="rId4"/>
     <p:sldId id="263" r:id="rId5"/>
     <p:sldId id="262" r:id="rId6"/>
-    <p:sldId id="264" r:id="rId7"/>
+    <p:sldId id="266" r:id="rId7"/>
+    <p:sldId id="265" r:id="rId8"/>
   </p:sldIdLst>
   <p:sldSz cx="9144000" cy="5143500" type="screen16x9"/>
   <p:notesSz cx="6858000" cy="9144000"/>
   <p:embeddedFontLst>
     <p:embeddedFont>
-      <p:font typeface="Maven Pro" panose="020B0604020202020204" charset="0"/>
-      <p:regular r:id="rId9"/>
-      <p:bold r:id="rId10"/>
+      <p:font typeface="Nunito" panose="020B0604020202020204" charset="0"/>
+      <p:regular r:id="rId10"/>
+      <p:bold r:id="rId11"/>
+      <p:italic r:id="rId12"/>
+      <p:boldItalic r:id="rId13"/>
     </p:embeddedFont>
     <p:embeddedFont>
-      <p:font typeface="Nunito" panose="020B0604020202020204" charset="0"/>
-      <p:regular r:id="rId11"/>
-      <p:bold r:id="rId12"/>
-      <p:italic r:id="rId13"/>
-      <p:boldItalic r:id="rId14"/>
+      <p:font typeface="Maven Pro" panose="020B0604020202020204" charset="0"/>
+      <p:regular r:id="rId14"/>
+      <p:bold r:id="rId15"/>
     </p:embeddedFont>
   </p:embeddedFontLst>
   <p:defaultTextStyle>
@@ -1446,7 +1447,134 @@
     </p:spTree>
     <p:extLst>
       <p:ext uri="{BB962C8B-B14F-4D97-AF65-F5344CB8AC3E}">
-        <p14:creationId xmlns:p14="http://schemas.microsoft.com/office/powerpoint/2010/main" val="1951000002"/>
+        <p14:creationId xmlns:p14="http://schemas.microsoft.com/office/powerpoint/2010/main" val="794828693"/>
+      </p:ext>
+    </p:extLst>
+  </p:cSld>
+  <p:clrMapOvr>
+    <a:masterClrMapping/>
+  </p:clrMapOvr>
+</p:notes>
+</file>
+
+<file path=ppt/notesSlides/notesSlide7.xml><?xml version="1.0" encoding="utf-8"?>
+<p:notes xmlns:a="http://schemas.openxmlformats.org/drawingml/2006/main" xmlns:r="http://schemas.openxmlformats.org/officeDocument/2006/relationships" xmlns:p="http://schemas.openxmlformats.org/presentationml/2006/main" showMasterSp="0" showMasterPhAnim="0">
+  <p:cSld>
+    <p:spTree>
+      <p:nvGrpSpPr>
+        <p:cNvPr id="1" name="Shape 279"/>
+        <p:cNvGrpSpPr/>
+        <p:nvPr/>
+      </p:nvGrpSpPr>
+      <p:grpSpPr>
+        <a:xfrm>
+          <a:off x="0" y="0"/>
+          <a:ext cx="0" cy="0"/>
+          <a:chOff x="0" y="0"/>
+          <a:chExt cx="0" cy="0"/>
+        </a:xfrm>
+      </p:grpSpPr>
+      <p:sp>
+        <p:nvSpPr>
+          <p:cNvPr id="280" name="Google Shape;280;g6c7bf085a7_1_0:notes"/>
+          <p:cNvSpPr>
+            <a:spLocks noGrp="1" noRot="1" noChangeAspect="1"/>
+          </p:cNvSpPr>
+          <p:nvPr>
+            <p:ph type="sldImg" idx="2"/>
+          </p:nvPr>
+        </p:nvSpPr>
+        <p:spPr>
+          <a:xfrm>
+            <a:off x="381000" y="685800"/>
+            <a:ext cx="6096000" cy="3429000"/>
+          </a:xfrm>
+          <a:custGeom>
+            <a:avLst/>
+            <a:gdLst/>
+            <a:ahLst/>
+            <a:cxnLst/>
+            <a:rect l="l" t="t" r="r" b="b"/>
+            <a:pathLst>
+              <a:path w="120000" h="120000" extrusionOk="0">
+                <a:moveTo>
+                  <a:pt x="0" y="0"/>
+                </a:moveTo>
+                <a:lnTo>
+                  <a:pt x="120000" y="0"/>
+                </a:lnTo>
+                <a:lnTo>
+                  <a:pt x="120000" y="120000"/>
+                </a:lnTo>
+                <a:lnTo>
+                  <a:pt x="0" y="120000"/>
+                </a:lnTo>
+                <a:close/>
+              </a:path>
+            </a:pathLst>
+          </a:custGeom>
+          <a:noFill/>
+          <a:ln w="9525" cap="flat" cmpd="sng">
+            <a:solidFill>
+              <a:srgbClr val="000000"/>
+            </a:solidFill>
+            <a:prstDash val="solid"/>
+            <a:round/>
+            <a:headEnd type="none" w="sm" len="sm"/>
+            <a:tailEnd type="none" w="sm" len="sm"/>
+          </a:ln>
+        </p:spPr>
+      </p:sp>
+      <p:sp>
+        <p:nvSpPr>
+          <p:cNvPr id="281" name="Google Shape;281;g6c7bf085a7_1_0:notes"/>
+          <p:cNvSpPr txBox="1">
+            <a:spLocks noGrp="1"/>
+          </p:cNvSpPr>
+          <p:nvPr>
+            <p:ph type="body" idx="1"/>
+          </p:nvPr>
+        </p:nvSpPr>
+        <p:spPr>
+          <a:xfrm>
+            <a:off x="685800" y="4343400"/>
+            <a:ext cx="5486400" cy="4114800"/>
+          </a:xfrm>
+          <a:prstGeom prst="rect">
+            <a:avLst/>
+          </a:prstGeom>
+          <a:noFill/>
+          <a:ln>
+            <a:noFill/>
+          </a:ln>
+        </p:spPr>
+        <p:txBody>
+          <a:bodyPr spcFirstLastPara="1" wrap="square" lIns="91425" tIns="91425" rIns="91425" bIns="91425" anchor="t" anchorCtr="0">
+            <a:noAutofit/>
+          </a:bodyPr>
+          <a:lstStyle/>
+          <a:p>
+            <a:pPr marL="0" lvl="0" indent="0" algn="l" rtl="0">
+              <a:lnSpc>
+                <a:spcPct val="100000"/>
+              </a:lnSpc>
+              <a:spcBef>
+                <a:spcPts val="0"/>
+              </a:spcBef>
+              <a:spcAft>
+                <a:spcPts val="0"/>
+              </a:spcAft>
+              <a:buSzPts val="1100"/>
+              <a:buNone/>
+            </a:pPr>
+            <a:endParaRPr/>
+          </a:p>
+        </p:txBody>
+      </p:sp>
+    </p:spTree>
+    <p:extLst>
+      <p:ext uri="{BB962C8B-B14F-4D97-AF65-F5344CB8AC3E}">
+        <p14:creationId xmlns:p14="http://schemas.microsoft.com/office/powerpoint/2010/main" val="2219340489"/>
       </p:ext>
     </p:extLst>
   </p:cSld>
@@ -16872,15 +17000,7 @@
                   <a:srgbClr val="FFFFFF"/>
                 </a:solidFill>
               </a:rPr>
-              <a:t>所以可以</a:t>
-            </a:r>
-            <a:r>
-              <a:rPr lang="zh-TW" altLang="en-US" sz="4800" dirty="0" smtClean="0">
-                <a:solidFill>
-                  <a:srgbClr val="FFFFFF"/>
-                </a:solidFill>
-              </a:rPr>
-              <a:t>拿</a:t>
+              <a:t>所以可以拿</a:t>
             </a:r>
             <a:r>
               <a:rPr lang="zh-TW" altLang="en-US" sz="4800" dirty="0">
@@ -17062,15 +17182,7 @@
                   <a:srgbClr val="FFFFFF"/>
                 </a:solidFill>
               </a:rPr>
-              <a:t>加密</a:t>
-            </a:r>
-            <a:r>
-              <a:rPr lang="zh-TW" altLang="en-US" sz="2000" dirty="0" smtClean="0">
-                <a:solidFill>
-                  <a:srgbClr val="FFFFFF"/>
-                </a:solidFill>
-              </a:rPr>
-              <a:t>整份文</a:t>
+              <a:t>加密整份文</a:t>
             </a:r>
             <a:r>
               <a:rPr lang="zh-TW" altLang="en-US" sz="2000" dirty="0">
@@ -17589,6 +17701,563 @@
         </p:nvSpPr>
         <p:spPr>
           <a:xfrm>
+            <a:off x="360000" y="360850"/>
+            <a:ext cx="7030500" cy="604200"/>
+          </a:xfrm>
+          <a:prstGeom prst="rect">
+            <a:avLst/>
+          </a:prstGeom>
+          <a:noFill/>
+          <a:ln>
+            <a:noFill/>
+          </a:ln>
+        </p:spPr>
+        <p:txBody>
+          <a:bodyPr spcFirstLastPara="1" wrap="square" lIns="91425" tIns="91425" rIns="91425" bIns="91425" anchor="t" anchorCtr="0">
+            <a:noAutofit/>
+          </a:bodyPr>
+          <a:lstStyle/>
+          <a:p>
+            <a:pPr marL="0" lvl="0" indent="0" algn="l" rtl="0">
+              <a:lnSpc>
+                <a:spcPct val="100000"/>
+              </a:lnSpc>
+              <a:spcBef>
+                <a:spcPts val="0"/>
+              </a:spcBef>
+              <a:spcAft>
+                <a:spcPts val="0"/>
+              </a:spcAft>
+              <a:buSzPts val="2800"/>
+              <a:buNone/>
+            </a:pPr>
+            <a:r>
+              <a:rPr lang="zh-TW" altLang="en-US" sz="3200" dirty="0" smtClean="0">
+                <a:solidFill>
+                  <a:srgbClr val="FFFFFF"/>
+                </a:solidFill>
+              </a:rPr>
+              <a:t>分工</a:t>
+            </a:r>
+            <a:endParaRPr sz="3200" dirty="0">
+              <a:solidFill>
+                <a:srgbClr val="FFFFFF"/>
+              </a:solidFill>
+            </a:endParaRPr>
+          </a:p>
+        </p:txBody>
+      </p:sp>
+      <p:sp>
+        <p:nvSpPr>
+          <p:cNvPr id="284" name="Google Shape;284;p14"/>
+          <p:cNvSpPr txBox="1">
+            <a:spLocks noGrp="1"/>
+          </p:cNvSpPr>
+          <p:nvPr>
+            <p:ph type="body" idx="1"/>
+          </p:nvPr>
+        </p:nvSpPr>
+        <p:spPr>
+          <a:xfrm>
+            <a:off x="360000" y="1337073"/>
+            <a:ext cx="8384989" cy="3790575"/>
+          </a:xfrm>
+          <a:prstGeom prst="rect">
+            <a:avLst/>
+          </a:prstGeom>
+          <a:noFill/>
+          <a:ln>
+            <a:noFill/>
+          </a:ln>
+        </p:spPr>
+        <p:txBody>
+          <a:bodyPr spcFirstLastPara="1" wrap="square" lIns="91425" tIns="91425" rIns="91425" bIns="91425" anchor="t" anchorCtr="0">
+            <a:noAutofit/>
+          </a:bodyPr>
+          <a:lstStyle/>
+          <a:p>
+            <a:pPr marL="101600" lvl="0" indent="0">
+              <a:lnSpc>
+                <a:spcPct val="150000"/>
+              </a:lnSpc>
+              <a:buClr>
+                <a:srgbClr val="FFFFFF"/>
+              </a:buClr>
+              <a:buSzPts val="2000"/>
+              <a:buNone/>
+            </a:pPr>
+            <a:r>
+              <a:rPr lang="zh-TW" altLang="en-US" sz="3600" b="1" dirty="0">
+                <a:solidFill>
+                  <a:schemeClr val="lt1"/>
+                </a:solidFill>
+              </a:rPr>
+              <a:t>莊淳</a:t>
+            </a:r>
+            <a:r>
+              <a:rPr lang="zh-TW" altLang="en-US" sz="3600" b="1" dirty="0" smtClean="0">
+                <a:solidFill>
+                  <a:schemeClr val="lt1"/>
+                </a:solidFill>
+              </a:rPr>
+              <a:t>方</a:t>
+            </a:r>
+            <a:r>
+              <a:rPr lang="zh-TW" altLang="en-US" sz="2000" dirty="0" smtClean="0">
+                <a:solidFill>
+                  <a:schemeClr val="lt1"/>
+                </a:solidFill>
+              </a:rPr>
+              <a:t> 文件系統開發</a:t>
+            </a:r>
+            <a:r>
+              <a:rPr lang="en-US" altLang="zh-TW" sz="2000" dirty="0" smtClean="0">
+                <a:solidFill>
+                  <a:schemeClr val="lt1"/>
+                </a:solidFill>
+              </a:rPr>
+              <a:t>/</a:t>
+            </a:r>
+            <a:r>
+              <a:rPr lang="zh-TW" altLang="en-US" sz="2000" dirty="0">
+                <a:solidFill>
+                  <a:schemeClr val="lt1"/>
+                </a:solidFill>
+              </a:rPr>
+              <a:t>軟體技術</a:t>
+            </a:r>
+            <a:r>
+              <a:rPr lang="zh-TW" altLang="en-US" sz="2000" dirty="0" smtClean="0">
+                <a:solidFill>
+                  <a:schemeClr val="lt1"/>
+                </a:solidFill>
+              </a:rPr>
+              <a:t>支持</a:t>
+            </a:r>
+            <a:r>
+              <a:rPr lang="en-US" altLang="zh-TW" sz="2000" dirty="0" smtClean="0">
+                <a:solidFill>
+                  <a:schemeClr val="lt1"/>
+                </a:solidFill>
+              </a:rPr>
+              <a:t>/</a:t>
+            </a:r>
+            <a:r>
+              <a:rPr lang="zh-TW" altLang="en-US" sz="2000" dirty="0">
+                <a:solidFill>
+                  <a:schemeClr val="lt1"/>
+                </a:solidFill>
+              </a:rPr>
+              <a:t>系統記憶</a:t>
+            </a:r>
+            <a:r>
+              <a:rPr lang="zh-TW" altLang="en-US" sz="2000" dirty="0" smtClean="0">
+                <a:solidFill>
+                  <a:schemeClr val="lt1"/>
+                </a:solidFill>
+              </a:rPr>
+              <a:t>單元</a:t>
+            </a:r>
+            <a:r>
+              <a:rPr lang="en-US" altLang="zh-TW" sz="2000" dirty="0" smtClean="0">
+                <a:solidFill>
+                  <a:schemeClr val="lt1"/>
+                </a:solidFill>
+              </a:rPr>
+              <a:t>/</a:t>
+            </a:r>
+            <a:r>
+              <a:rPr lang="zh-TW" altLang="en-US" sz="2000" dirty="0" smtClean="0">
+                <a:solidFill>
+                  <a:schemeClr val="lt1"/>
+                </a:solidFill>
+              </a:rPr>
+              <a:t>重要設備運送</a:t>
+            </a:r>
+            <a:endParaRPr lang="en-US" altLang="zh-TW" sz="2000" dirty="0" smtClean="0">
+              <a:solidFill>
+                <a:schemeClr val="lt1"/>
+              </a:solidFill>
+            </a:endParaRPr>
+          </a:p>
+          <a:p>
+            <a:pPr marL="101600" lvl="0" indent="0">
+              <a:lnSpc>
+                <a:spcPct val="150000"/>
+              </a:lnSpc>
+              <a:buClr>
+                <a:srgbClr val="FFFFFF"/>
+              </a:buClr>
+              <a:buSzPts val="2000"/>
+              <a:buNone/>
+            </a:pPr>
+            <a:r>
+              <a:rPr lang="zh-TW" altLang="en-US" sz="3600" b="1" dirty="0" smtClean="0">
+                <a:solidFill>
+                  <a:schemeClr val="lt1"/>
+                </a:solidFill>
+              </a:rPr>
+              <a:t>王承隆</a:t>
+            </a:r>
+            <a:r>
+              <a:rPr lang="zh-TW" altLang="en-US" sz="2000" dirty="0" smtClean="0">
+                <a:solidFill>
+                  <a:schemeClr val="lt1"/>
+                </a:solidFill>
+              </a:rPr>
+              <a:t> 文件系統開發</a:t>
+            </a:r>
+            <a:r>
+              <a:rPr lang="en-US" altLang="zh-TW" sz="2000" dirty="0" smtClean="0">
+                <a:solidFill>
+                  <a:schemeClr val="lt1"/>
+                </a:solidFill>
+              </a:rPr>
+              <a:t>/</a:t>
+            </a:r>
+            <a:r>
+              <a:rPr lang="zh-TW" altLang="en-US" sz="2000" dirty="0">
+                <a:solidFill>
+                  <a:schemeClr val="lt1"/>
+                </a:solidFill>
+              </a:rPr>
+              <a:t>硬體技術</a:t>
+            </a:r>
+            <a:r>
+              <a:rPr lang="zh-TW" altLang="en-US" sz="2000" dirty="0" smtClean="0">
+                <a:solidFill>
+                  <a:schemeClr val="lt1"/>
+                </a:solidFill>
+              </a:rPr>
+              <a:t>支持</a:t>
+            </a:r>
+            <a:r>
+              <a:rPr lang="en-US" altLang="zh-TW" sz="2000" dirty="0" smtClean="0">
+                <a:solidFill>
+                  <a:schemeClr val="lt1"/>
+                </a:solidFill>
+              </a:rPr>
+              <a:t>/</a:t>
+            </a:r>
+            <a:r>
+              <a:rPr lang="zh-TW" altLang="en-US" sz="2000" dirty="0">
+                <a:solidFill>
+                  <a:schemeClr val="lt1"/>
+                </a:solidFill>
+              </a:rPr>
+              <a:t>運算資源提供</a:t>
+            </a:r>
+            <a:r>
+              <a:rPr lang="zh-TW" altLang="en-US" sz="2000" dirty="0" smtClean="0">
+                <a:solidFill>
+                  <a:schemeClr val="lt1"/>
+                </a:solidFill>
+              </a:rPr>
+              <a:t>者</a:t>
+            </a:r>
+            <a:endParaRPr lang="en-US" altLang="zh-TW" sz="2000" dirty="0" smtClean="0">
+              <a:solidFill>
+                <a:schemeClr val="lt1"/>
+              </a:solidFill>
+            </a:endParaRPr>
+          </a:p>
+          <a:p>
+            <a:pPr marL="101600" lvl="0" indent="0">
+              <a:lnSpc>
+                <a:spcPct val="150000"/>
+              </a:lnSpc>
+              <a:buClr>
+                <a:srgbClr val="FFFFFF"/>
+              </a:buClr>
+              <a:buSzPts val="2000"/>
+              <a:buNone/>
+            </a:pPr>
+            <a:r>
+              <a:rPr lang="zh-TW" altLang="en-US" sz="3600" b="1" dirty="0" smtClean="0">
+                <a:solidFill>
+                  <a:schemeClr val="lt1"/>
+                </a:solidFill>
+              </a:rPr>
+              <a:t>施宗佑</a:t>
+            </a:r>
+            <a:r>
+              <a:rPr lang="zh-TW" altLang="en-US" sz="2000" dirty="0" smtClean="0">
+                <a:solidFill>
+                  <a:schemeClr val="lt1"/>
+                </a:solidFill>
+              </a:rPr>
+              <a:t> 函數生產器</a:t>
+            </a:r>
+            <a:r>
+              <a:rPr lang="en-US" altLang="zh-TW" sz="2000" dirty="0" smtClean="0">
+                <a:solidFill>
+                  <a:schemeClr val="lt1"/>
+                </a:solidFill>
+              </a:rPr>
+              <a:t>/</a:t>
+            </a:r>
+            <a:r>
+              <a:rPr lang="zh-TW" altLang="en-US" sz="2000" dirty="0" smtClean="0">
+                <a:solidFill>
+                  <a:schemeClr val="lt1"/>
+                </a:solidFill>
+              </a:rPr>
+              <a:t>系統輔導開發</a:t>
+            </a:r>
+            <a:r>
+              <a:rPr lang="en-US" altLang="zh-TW" sz="2000" dirty="0" smtClean="0">
+                <a:solidFill>
+                  <a:schemeClr val="lt1"/>
+                </a:solidFill>
+              </a:rPr>
+              <a:t>/</a:t>
+            </a:r>
+            <a:r>
+              <a:rPr lang="zh-TW" altLang="en-US" sz="2000" dirty="0">
+                <a:solidFill>
+                  <a:schemeClr val="lt1"/>
+                </a:solidFill>
+              </a:rPr>
+              <a:t>技術</a:t>
+            </a:r>
+            <a:r>
+              <a:rPr lang="zh-TW" altLang="en-US" sz="2000" dirty="0" smtClean="0">
+                <a:solidFill>
+                  <a:schemeClr val="lt1"/>
+                </a:solidFill>
+              </a:rPr>
+              <a:t>討論</a:t>
+            </a:r>
+            <a:r>
+              <a:rPr lang="en-US" altLang="zh-TW" sz="2000" dirty="0" smtClean="0">
+                <a:solidFill>
+                  <a:schemeClr val="lt1"/>
+                </a:solidFill>
+              </a:rPr>
+              <a:t>/</a:t>
+            </a:r>
+            <a:r>
+              <a:rPr lang="zh-TW" altLang="en-US" sz="2000" dirty="0">
+                <a:solidFill>
+                  <a:schemeClr val="lt1"/>
+                </a:solidFill>
+              </a:rPr>
+              <a:t>人體</a:t>
+            </a:r>
+            <a:r>
+              <a:rPr lang="zh-TW" altLang="en-US" sz="2000" dirty="0" smtClean="0">
+                <a:solidFill>
+                  <a:schemeClr val="lt1"/>
+                </a:solidFill>
+              </a:rPr>
+              <a:t>計算機</a:t>
+            </a:r>
+            <a:r>
+              <a:rPr lang="en-US" altLang="zh-TW" sz="2000" dirty="0" smtClean="0">
+                <a:solidFill>
+                  <a:schemeClr val="lt1"/>
+                </a:solidFill>
+              </a:rPr>
+              <a:t>/</a:t>
+            </a:r>
+            <a:r>
+              <a:rPr lang="zh-TW" altLang="en-US" sz="2000" dirty="0" smtClean="0">
+                <a:solidFill>
+                  <a:schemeClr val="lt1"/>
+                </a:solidFill>
+              </a:rPr>
+              <a:t>文件生成器</a:t>
+            </a:r>
+            <a:endParaRPr lang="en-US" sz="2000" dirty="0">
+              <a:solidFill>
+                <a:schemeClr val="lt1"/>
+              </a:solidFill>
+            </a:endParaRPr>
+          </a:p>
+          <a:p>
+            <a:pPr marL="101600" lvl="0" indent="0">
+              <a:lnSpc>
+                <a:spcPct val="150000"/>
+              </a:lnSpc>
+              <a:buClr>
+                <a:srgbClr val="FFFFFF"/>
+              </a:buClr>
+              <a:buSzPts val="2000"/>
+              <a:buNone/>
+            </a:pPr>
+            <a:r>
+              <a:rPr lang="zh-TW" altLang="en-US" sz="3600" b="1" dirty="0" smtClean="0">
+                <a:solidFill>
+                  <a:schemeClr val="lt1"/>
+                </a:solidFill>
+              </a:rPr>
+              <a:t>傅文宗</a:t>
+            </a:r>
+            <a:r>
+              <a:rPr lang="zh-TW" altLang="en-US" sz="2000" dirty="0" smtClean="0">
+                <a:solidFill>
+                  <a:schemeClr val="lt1"/>
+                </a:solidFill>
+              </a:rPr>
+              <a:t> 函數翻譯機</a:t>
+            </a:r>
+            <a:r>
+              <a:rPr lang="en-US" altLang="zh-TW" sz="2000" dirty="0" smtClean="0">
+                <a:solidFill>
+                  <a:schemeClr val="lt1"/>
+                </a:solidFill>
+              </a:rPr>
+              <a:t>/</a:t>
+            </a:r>
+            <a:r>
+              <a:rPr lang="zh-TW" altLang="en-US" sz="2000" dirty="0" smtClean="0">
+                <a:solidFill>
+                  <a:schemeClr val="lt1"/>
+                </a:solidFill>
+              </a:rPr>
+              <a:t>演算</a:t>
+            </a:r>
+            <a:r>
+              <a:rPr lang="zh-TW" altLang="en-US" sz="2000" dirty="0">
+                <a:solidFill>
+                  <a:schemeClr val="lt1"/>
+                </a:solidFill>
+              </a:rPr>
+              <a:t>法</a:t>
+            </a:r>
+            <a:r>
+              <a:rPr lang="zh-TW" altLang="en-US" sz="2000" dirty="0" smtClean="0">
+                <a:solidFill>
+                  <a:schemeClr val="lt1"/>
+                </a:solidFill>
+              </a:rPr>
+              <a:t>開發</a:t>
+            </a:r>
+            <a:r>
+              <a:rPr lang="en-US" altLang="zh-TW" sz="2000" dirty="0">
+                <a:solidFill>
+                  <a:schemeClr val="lt1"/>
+                </a:solidFill>
+              </a:rPr>
+              <a:t>/</a:t>
+            </a:r>
+            <a:r>
+              <a:rPr lang="zh-TW" altLang="en-US" sz="2000" dirty="0">
+                <a:solidFill>
+                  <a:schemeClr val="lt1"/>
+                </a:solidFill>
+              </a:rPr>
+              <a:t>技術討論</a:t>
+            </a:r>
+            <a:r>
+              <a:rPr lang="en-US" altLang="zh-TW" sz="2000" dirty="0" smtClean="0">
+                <a:solidFill>
+                  <a:schemeClr val="lt1"/>
+                </a:solidFill>
+              </a:rPr>
+              <a:t>/</a:t>
+            </a:r>
+            <a:r>
+              <a:rPr lang="zh-TW" altLang="en-US" sz="2000" dirty="0" smtClean="0">
+                <a:solidFill>
+                  <a:schemeClr val="lt1"/>
+                </a:solidFill>
+              </a:rPr>
+              <a:t>程式重構支援</a:t>
+            </a:r>
+            <a:r>
+              <a:rPr lang="en-US" altLang="zh-TW" sz="2000" dirty="0">
+                <a:solidFill>
+                  <a:schemeClr val="lt1"/>
+                </a:solidFill>
+              </a:rPr>
+              <a:t>/</a:t>
+            </a:r>
+            <a:r>
+              <a:rPr lang="zh-TW" altLang="en-US" sz="2000" dirty="0">
+                <a:solidFill>
+                  <a:schemeClr val="lt1"/>
+                </a:solidFill>
+              </a:rPr>
+              <a:t>文件生成器</a:t>
+            </a:r>
+            <a:endParaRPr sz="2000" dirty="0">
+              <a:solidFill>
+                <a:schemeClr val="lt1"/>
+              </a:solidFill>
+            </a:endParaRPr>
+          </a:p>
+        </p:txBody>
+      </p:sp>
+    </p:spTree>
+    <p:extLst>
+      <p:ext uri="{BB962C8B-B14F-4D97-AF65-F5344CB8AC3E}">
+        <p14:creationId xmlns:p14="http://schemas.microsoft.com/office/powerpoint/2010/main" val="2108042950"/>
+      </p:ext>
+    </p:extLst>
+  </p:cSld>
+  <p:clrMapOvr>
+    <a:masterClrMapping/>
+  </p:clrMapOvr>
+  <mc:AlternateContent xmlns:mc="http://schemas.openxmlformats.org/markup-compatibility/2006" xmlns:p14="http://schemas.microsoft.com/office/powerpoint/2010/main">
+    <mc:Choice Requires="p14">
+      <p:transition spd="slow" p14:dur="1500">
+        <p:push dir="u"/>
+      </p:transition>
+    </mc:Choice>
+    <mc:Fallback xmlns="">
+      <p:transition spd="slow">
+        <p:push dir="u"/>
+      </p:transition>
+    </mc:Fallback>
+  </mc:AlternateContent>
+  <p:timing>
+    <p:tnLst>
+      <p:par>
+        <p:cTn id="1" dur="indefinite" restart="never" nodeType="tmRoot"/>
+      </p:par>
+    </p:tnLst>
+  </p:timing>
+</p:sld>
+</file>
+
+<file path=ppt/slides/slide7.xml><?xml version="1.0" encoding="utf-8"?>
+<p:sld xmlns:a="http://schemas.openxmlformats.org/drawingml/2006/main" xmlns:r="http://schemas.openxmlformats.org/officeDocument/2006/relationships" xmlns:p="http://schemas.openxmlformats.org/presentationml/2006/main">
+  <p:cSld>
+    <p:bg>
+      <p:bgPr>
+        <a:solidFill>
+          <a:srgbClr val="434343"/>
+        </a:solidFill>
+        <a:effectLst/>
+      </p:bgPr>
+    </p:bg>
+    <p:spTree>
+      <p:nvGrpSpPr>
+        <p:cNvPr id="1" name="Shape 282"/>
+        <p:cNvGrpSpPr/>
+        <p:nvPr/>
+      </p:nvGrpSpPr>
+      <p:grpSpPr>
+        <a:xfrm>
+          <a:off x="0" y="0"/>
+          <a:ext cx="0" cy="0"/>
+          <a:chOff x="0" y="0"/>
+          <a:chExt cx="0" cy="0"/>
+        </a:xfrm>
+      </p:grpSpPr>
+      <p:sp>
+        <p:nvSpPr>
+          <p:cNvPr id="283" name="Google Shape;283;p14"/>
+          <p:cNvSpPr txBox="1">
+            <a:spLocks noGrp="1"/>
+          </p:cNvSpPr>
+          <p:nvPr>
+            <p:ph type="title"/>
+          </p:nvPr>
+        </p:nvSpPr>
+        <p:spPr>
+          <a:xfrm>
             <a:off x="0" y="1978429"/>
             <a:ext cx="9144000" cy="765545"/>
           </a:xfrm>
@@ -17638,7 +18307,7 @@
     </p:spTree>
     <p:extLst>
       <p:ext uri="{BB962C8B-B14F-4D97-AF65-F5344CB8AC3E}">
-        <p14:creationId xmlns:p14="http://schemas.microsoft.com/office/powerpoint/2010/main" val="2317553701"/>
+        <p14:creationId xmlns:p14="http://schemas.microsoft.com/office/powerpoint/2010/main" val="554631951"/>
       </p:ext>
     </p:extLst>
   </p:cSld>
